--- a/2.0-Missing_Data/MIssing_Data_slides.pptx
+++ b/2.0-Missing_Data/MIssing_Data_slides.pptx
@@ -208,7 +208,7 @@
           <a:p>
             <a:fld id="{1CCFADCB-0AAF-C140-A53D-49A716E5D257}" type="datetimeFigureOut">
               <a:rPr lang="en-US" smtClean="0"/>
-              <a:t>4/27/23</a:t>
+              <a:t>4/28/23</a:t>
             </a:fld>
             <a:endParaRPr lang="en-US"/>
           </a:p>
@@ -1047,7 +1047,7 @@
           <a:p>
             <a:fld id="{699836B1-846F-154E-87E1-7241CC44CF6C}" type="datetimeFigureOut">
               <a:rPr lang="en-US" smtClean="0"/>
-              <a:t>4/27/23</a:t>
+              <a:t>4/28/23</a:t>
             </a:fld>
             <a:endParaRPr lang="en-US"/>
           </a:p>
@@ -1300,7 +1300,7 @@
           <a:p>
             <a:fld id="{699836B1-846F-154E-87E1-7241CC44CF6C}" type="datetimeFigureOut">
               <a:rPr lang="en-US" smtClean="0"/>
-              <a:t>4/27/23</a:t>
+              <a:t>4/28/23</a:t>
             </a:fld>
             <a:endParaRPr lang="en-US"/>
           </a:p>
@@ -1480,7 +1480,7 @@
           <a:p>
             <a:fld id="{699836B1-846F-154E-87E1-7241CC44CF6C}" type="datetimeFigureOut">
               <a:rPr lang="en-US" smtClean="0"/>
-              <a:t>4/27/23</a:t>
+              <a:t>4/28/23</a:t>
             </a:fld>
             <a:endParaRPr lang="en-US"/>
           </a:p>
@@ -1685,7 +1685,7 @@
           <a:p>
             <a:fld id="{699836B1-846F-154E-87E1-7241CC44CF6C}" type="datetimeFigureOut">
               <a:rPr lang="en-US" smtClean="0"/>
-              <a:t>4/27/23</a:t>
+              <a:t>4/28/23</a:t>
             </a:fld>
             <a:endParaRPr lang="en-US"/>
           </a:p>
@@ -1942,7 +1942,7 @@
           <a:p>
             <a:fld id="{699836B1-846F-154E-87E1-7241CC44CF6C}" type="datetimeFigureOut">
               <a:rPr lang="en-US" smtClean="0"/>
-              <a:t>4/27/23</a:t>
+              <a:t>4/28/23</a:t>
             </a:fld>
             <a:endParaRPr lang="en-US"/>
           </a:p>
@@ -2262,7 +2262,7 @@
           <a:p>
             <a:fld id="{699836B1-846F-154E-87E1-7241CC44CF6C}" type="datetimeFigureOut">
               <a:rPr lang="en-US" smtClean="0"/>
-              <a:t>4/27/23</a:t>
+              <a:t>4/28/23</a:t>
             </a:fld>
             <a:endParaRPr lang="en-US"/>
           </a:p>
@@ -2660,7 +2660,7 @@
           <a:p>
             <a:fld id="{699836B1-846F-154E-87E1-7241CC44CF6C}" type="datetimeFigureOut">
               <a:rPr lang="en-US" smtClean="0"/>
-              <a:t>4/27/23</a:t>
+              <a:t>4/28/23</a:t>
             </a:fld>
             <a:endParaRPr lang="en-US"/>
           </a:p>
@@ -2778,7 +2778,7 @@
           <a:p>
             <a:fld id="{699836B1-846F-154E-87E1-7241CC44CF6C}" type="datetimeFigureOut">
               <a:rPr lang="en-US" smtClean="0"/>
-              <a:t>4/27/23</a:t>
+              <a:t>4/28/23</a:t>
             </a:fld>
             <a:endParaRPr lang="en-US"/>
           </a:p>
@@ -2873,7 +2873,7 @@
           <a:p>
             <a:fld id="{699836B1-846F-154E-87E1-7241CC44CF6C}" type="datetimeFigureOut">
               <a:rPr lang="en-US" smtClean="0"/>
-              <a:t>4/27/23</a:t>
+              <a:t>4/28/23</a:t>
             </a:fld>
             <a:endParaRPr lang="en-US"/>
           </a:p>
@@ -3163,7 +3163,7 @@
           <a:p>
             <a:fld id="{699836B1-846F-154E-87E1-7241CC44CF6C}" type="datetimeFigureOut">
               <a:rPr lang="en-US" smtClean="0"/>
-              <a:t>4/27/23</a:t>
+              <a:t>4/28/23</a:t>
             </a:fld>
             <a:endParaRPr lang="en-US"/>
           </a:p>
@@ -3443,7 +3443,7 @@
           <a:p>
             <a:fld id="{699836B1-846F-154E-87E1-7241CC44CF6C}" type="datetimeFigureOut">
               <a:rPr lang="en-US" smtClean="0"/>
-              <a:t>4/27/23</a:t>
+              <a:t>4/28/23</a:t>
             </a:fld>
             <a:endParaRPr lang="en-US"/>
           </a:p>
@@ -3693,7 +3693,7 @@
           <a:p>
             <a:fld id="{699836B1-846F-154E-87E1-7241CC44CF6C}" type="datetimeFigureOut">
               <a:rPr lang="en-US" smtClean="0"/>
-              <a:t>4/27/23</a:t>
+              <a:t>4/28/23</a:t>
             </a:fld>
             <a:endParaRPr lang="en-US"/>
           </a:p>
@@ -4770,16 +4770,6 @@
             <a:r>
               <a:rPr lang="en-US" sz="2600" dirty="0"/>
               <a:t> Outcome variable often carries useful info and need to be used!</a:t>
-            </a:r>
-          </a:p>
-          <a:p>
-            <a:pPr>
-              <a:buFont typeface="Arial" panose="020B0604020202020204" pitchFamily="34" charset="0"/>
-              <a:buChar char="•"/>
-            </a:pPr>
-            <a:r>
-              <a:rPr lang="en-US" sz="2600" dirty="0"/>
-              <a:t> Ensure variables are roughly normally distributed</a:t>
             </a:r>
           </a:p>
           <a:p>
